--- a/sistemka.pptx
+++ b/sistemka.pptx
@@ -3498,8 +3498,8 @@
         </p:blipFill>
         <p:spPr>
           <a:xfrm>
-            <a:off x="233362" y="1276350"/>
-            <a:ext cx="3629025" cy="3619500"/>
+            <a:off x="388455" y="1747342"/>
+            <a:ext cx="2198770" cy="2192999"/>
           </a:xfrm>
           <a:prstGeom prst="rect">
             <a:avLst/>
@@ -3523,8 +3523,8 @@
         </p:nvGrpSpPr>
         <p:grpSpPr>
           <a:xfrm>
-            <a:off x="3941762" y="1030917"/>
-            <a:ext cx="3758504" cy="3728709"/>
+            <a:off x="1141412" y="5083462"/>
+            <a:ext cx="1573213" cy="1560742"/>
             <a:chOff x="5719762" y="990928"/>
             <a:chExt cx="3758504" cy="3728709"/>
           </a:xfrm>
@@ -3954,10 +3954,10 @@
       </p:grpSp>
       <p:grpSp>
         <p:nvGrpSpPr>
-          <p:cNvPr id="15" name="Группа 14">
-            <a:extLst>
-              <a:ext uri="{FF2B5EF4-FFF2-40B4-BE49-F238E27FC236}">
-                <a16:creationId xmlns:a16="http://schemas.microsoft.com/office/drawing/2014/main" id="{9D24A569-2B22-18A2-1463-091CBDDD7FA4}"/>
+          <p:cNvPr id="11" name="Группа 10">
+            <a:extLst>
+              <a:ext uri="{FF2B5EF4-FFF2-40B4-BE49-F238E27FC236}">
+                <a16:creationId xmlns:a16="http://schemas.microsoft.com/office/drawing/2014/main" id="{7DA08E74-7097-0E56-CCC6-0822F0D4D4DF}"/>
               </a:ext>
             </a:extLst>
           </p:cNvPr>
@@ -3966,434 +3966,547 @@
         </p:nvGrpSpPr>
         <p:grpSpPr>
           <a:xfrm>
-            <a:off x="8045042" y="1182989"/>
-            <a:ext cx="3758504" cy="3728709"/>
-            <a:chOff x="5770562" y="978228"/>
-            <a:chExt cx="3758504" cy="3728709"/>
+            <a:off x="4704626" y="468614"/>
+            <a:ext cx="4956806" cy="4940111"/>
+            <a:chOff x="4704626" y="468614"/>
+            <a:chExt cx="4956806" cy="4940111"/>
           </a:xfrm>
         </p:grpSpPr>
-        <p:sp>
-          <p:nvSpPr>
-            <p:cNvPr id="16" name="Овал 15">
+        <p:grpSp>
+          <p:nvGrpSpPr>
+            <p:cNvPr id="15" name="Группа 14">
               <a:extLst>
                 <a:ext uri="{FF2B5EF4-FFF2-40B4-BE49-F238E27FC236}">
-                  <a16:creationId xmlns:a16="http://schemas.microsoft.com/office/drawing/2014/main" id="{427B8507-8007-438E-0668-48908C47C5A6}"/>
+                  <a16:creationId xmlns:a16="http://schemas.microsoft.com/office/drawing/2014/main" id="{9D24A569-2B22-18A2-1463-091CBDDD7FA4}"/>
                 </a:ext>
               </a:extLst>
             </p:cNvPr>
-            <p:cNvSpPr/>
+            <p:cNvGrpSpPr/>
+            <p:nvPr/>
+          </p:nvGrpSpPr>
+          <p:grpSpPr>
+            <a:xfrm>
+              <a:off x="5368517" y="468614"/>
+              <a:ext cx="3758504" cy="3728709"/>
+              <a:chOff x="5770562" y="978228"/>
+              <a:chExt cx="3758504" cy="3728709"/>
+            </a:xfrm>
+          </p:grpSpPr>
+          <p:sp>
+            <p:nvSpPr>
+              <p:cNvPr id="16" name="Овал 15">
+                <a:extLst>
+                  <a:ext uri="{FF2B5EF4-FFF2-40B4-BE49-F238E27FC236}">
+                    <a16:creationId xmlns:a16="http://schemas.microsoft.com/office/drawing/2014/main" id="{427B8507-8007-438E-0668-48908C47C5A6}"/>
+                  </a:ext>
+                </a:extLst>
+              </p:cNvPr>
+              <p:cNvSpPr/>
+              <p:nvPr/>
+            </p:nvSpPr>
+            <p:spPr>
+              <a:xfrm>
+                <a:off x="5770562" y="1130300"/>
+                <a:ext cx="3629025" cy="3576637"/>
+              </a:xfrm>
+              <a:prstGeom prst="ellipse">
+                <a:avLst/>
+              </a:prstGeom>
+              <a:solidFill>
+                <a:schemeClr val="bg1"/>
+              </a:solidFill>
+              <a:ln w="254000">
+                <a:solidFill>
+                  <a:srgbClr val="4940E4"/>
+                </a:solidFill>
+              </a:ln>
+            </p:spPr>
+            <p:style>
+              <a:lnRef idx="2">
+                <a:schemeClr val="accent1">
+                  <a:shade val="15000"/>
+                </a:schemeClr>
+              </a:lnRef>
+              <a:fillRef idx="1">
+                <a:schemeClr val="accent1"/>
+              </a:fillRef>
+              <a:effectRef idx="0">
+                <a:schemeClr val="accent1"/>
+              </a:effectRef>
+              <a:fontRef idx="minor">
+                <a:schemeClr val="lt1"/>
+              </a:fontRef>
+            </p:style>
+            <p:txBody>
+              <a:bodyPr rtlCol="0" anchor="ctr"/>
+              <a:lstStyle/>
+              <a:p>
+                <a:pPr algn="ctr"/>
+                <a:endParaRPr lang="uz-Latn-UZ"/>
+              </a:p>
+            </p:txBody>
+          </p:sp>
+          <p:sp>
+            <p:nvSpPr>
+              <p:cNvPr id="17" name="Овал 16">
+                <a:extLst>
+                  <a:ext uri="{FF2B5EF4-FFF2-40B4-BE49-F238E27FC236}">
+                    <a16:creationId xmlns:a16="http://schemas.microsoft.com/office/drawing/2014/main" id="{474298BB-8E33-6408-F17B-4F6879D83B3E}"/>
+                  </a:ext>
+                </a:extLst>
+              </p:cNvPr>
+              <p:cNvSpPr/>
+              <p:nvPr/>
+            </p:nvSpPr>
+            <p:spPr>
+              <a:xfrm>
+                <a:off x="8192453" y="1069976"/>
+                <a:ext cx="1246822" cy="1238250"/>
+              </a:xfrm>
+              <a:prstGeom prst="ellipse">
+                <a:avLst/>
+              </a:prstGeom>
+              <a:solidFill>
+                <a:schemeClr val="bg1"/>
+              </a:solidFill>
+              <a:ln>
+                <a:noFill/>
+              </a:ln>
+            </p:spPr>
+            <p:style>
+              <a:lnRef idx="2">
+                <a:schemeClr val="accent1">
+                  <a:shade val="15000"/>
+                </a:schemeClr>
+              </a:lnRef>
+              <a:fillRef idx="1">
+                <a:schemeClr val="accent1"/>
+              </a:fillRef>
+              <a:effectRef idx="0">
+                <a:schemeClr val="accent1"/>
+              </a:effectRef>
+              <a:fontRef idx="minor">
+                <a:schemeClr val="lt1"/>
+              </a:fontRef>
+            </p:style>
+            <p:txBody>
+              <a:bodyPr rtlCol="0" anchor="ctr"/>
+              <a:lstStyle/>
+              <a:p>
+                <a:pPr algn="ctr"/>
+                <a:endParaRPr lang="uz-Latn-UZ"/>
+              </a:p>
+            </p:txBody>
+          </p:sp>
+          <p:sp>
+            <p:nvSpPr>
+              <p:cNvPr id="18" name="Параллелограмм 17">
+                <a:extLst>
+                  <a:ext uri="{FF2B5EF4-FFF2-40B4-BE49-F238E27FC236}">
+                    <a16:creationId xmlns:a16="http://schemas.microsoft.com/office/drawing/2014/main" id="{1B78AA4A-0373-6851-0B97-64818A2A61D9}"/>
+                  </a:ext>
+                </a:extLst>
+              </p:cNvPr>
+              <p:cNvSpPr/>
+              <p:nvPr/>
+            </p:nvSpPr>
+            <p:spPr>
+              <a:xfrm rot="19586894">
+                <a:off x="6045322" y="2076590"/>
+                <a:ext cx="2246249" cy="1041120"/>
+              </a:xfrm>
+              <a:prstGeom prst="parallelogram">
+                <a:avLst>
+                  <a:gd name="adj" fmla="val 61498"/>
+                </a:avLst>
+              </a:prstGeom>
+              <a:solidFill>
+                <a:schemeClr val="bg1"/>
+              </a:solidFill>
+              <a:ln w="127000">
+                <a:solidFill>
+                  <a:srgbClr val="4940E4"/>
+                </a:solidFill>
+              </a:ln>
+            </p:spPr>
+            <p:style>
+              <a:lnRef idx="2">
+                <a:schemeClr val="accent1">
+                  <a:shade val="15000"/>
+                </a:schemeClr>
+              </a:lnRef>
+              <a:fillRef idx="1">
+                <a:schemeClr val="accent1"/>
+              </a:fillRef>
+              <a:effectRef idx="0">
+                <a:schemeClr val="accent1"/>
+              </a:effectRef>
+              <a:fontRef idx="minor">
+                <a:schemeClr val="lt1"/>
+              </a:fontRef>
+            </p:style>
+            <p:txBody>
+              <a:bodyPr rtlCol="0" anchor="ctr"/>
+              <a:lstStyle/>
+              <a:p>
+                <a:pPr algn="ctr"/>
+                <a:endParaRPr lang="uz-Latn-UZ"/>
+              </a:p>
+            </p:txBody>
+          </p:sp>
+          <p:sp>
+            <p:nvSpPr>
+              <p:cNvPr id="19" name="Параллелограмм 18">
+                <a:extLst>
+                  <a:ext uri="{FF2B5EF4-FFF2-40B4-BE49-F238E27FC236}">
+                    <a16:creationId xmlns:a16="http://schemas.microsoft.com/office/drawing/2014/main" id="{0119E82D-BFB5-913F-70C7-EA618592D9ED}"/>
+                  </a:ext>
+                </a:extLst>
+              </p:cNvPr>
+              <p:cNvSpPr/>
+              <p:nvPr/>
+            </p:nvSpPr>
+            <p:spPr>
+              <a:xfrm rot="19586894" flipV="1">
+                <a:off x="6693775" y="3131251"/>
+                <a:ext cx="2198022" cy="912437"/>
+              </a:xfrm>
+              <a:prstGeom prst="parallelogram">
+                <a:avLst>
+                  <a:gd name="adj" fmla="val 61498"/>
+                </a:avLst>
+              </a:prstGeom>
+              <a:solidFill>
+                <a:srgbClr val="4940E4"/>
+              </a:solidFill>
+              <a:ln w="127000">
+                <a:solidFill>
+                  <a:srgbClr val="4940E4"/>
+                </a:solidFill>
+              </a:ln>
+            </p:spPr>
+            <p:style>
+              <a:lnRef idx="2">
+                <a:schemeClr val="accent1">
+                  <a:shade val="15000"/>
+                </a:schemeClr>
+              </a:lnRef>
+              <a:fillRef idx="1">
+                <a:schemeClr val="accent1"/>
+              </a:fillRef>
+              <a:effectRef idx="0">
+                <a:schemeClr val="accent1"/>
+              </a:effectRef>
+              <a:fontRef idx="minor">
+                <a:schemeClr val="lt1"/>
+              </a:fontRef>
+            </p:style>
+            <p:txBody>
+              <a:bodyPr rtlCol="0" anchor="ctr"/>
+              <a:lstStyle/>
+              <a:p>
+                <a:pPr algn="ctr"/>
+                <a:endParaRPr lang="uz-Latn-UZ"/>
+              </a:p>
+            </p:txBody>
+          </p:sp>
+          <p:sp>
+            <p:nvSpPr>
+              <p:cNvPr id="20" name="Параллелограмм 19">
+                <a:extLst>
+                  <a:ext uri="{FF2B5EF4-FFF2-40B4-BE49-F238E27FC236}">
+                    <a16:creationId xmlns:a16="http://schemas.microsoft.com/office/drawing/2014/main" id="{D54175AC-945C-0E9E-8B5D-12069F3619A3}"/>
+                  </a:ext>
+                </a:extLst>
+              </p:cNvPr>
+              <p:cNvSpPr/>
+              <p:nvPr/>
+            </p:nvSpPr>
+            <p:spPr>
+              <a:xfrm rot="19586894">
+                <a:off x="6724786" y="2572258"/>
+                <a:ext cx="421873" cy="171193"/>
+              </a:xfrm>
+              <a:prstGeom prst="parallelogram">
+                <a:avLst>
+                  <a:gd name="adj" fmla="val 61498"/>
+                </a:avLst>
+              </a:prstGeom>
+              <a:solidFill>
+                <a:srgbClr val="4940E4"/>
+              </a:solidFill>
+              <a:ln w="127000">
+                <a:solidFill>
+                  <a:srgbClr val="4940E4"/>
+                </a:solidFill>
+              </a:ln>
+            </p:spPr>
+            <p:style>
+              <a:lnRef idx="2">
+                <a:schemeClr val="accent1">
+                  <a:shade val="15000"/>
+                </a:schemeClr>
+              </a:lnRef>
+              <a:fillRef idx="1">
+                <a:schemeClr val="accent1"/>
+              </a:fillRef>
+              <a:effectRef idx="0">
+                <a:schemeClr val="accent1"/>
+              </a:effectRef>
+              <a:fontRef idx="minor">
+                <a:schemeClr val="lt1"/>
+              </a:fontRef>
+            </p:style>
+            <p:txBody>
+              <a:bodyPr rtlCol="0" anchor="ctr"/>
+              <a:lstStyle/>
+              <a:p>
+                <a:pPr algn="ctr"/>
+                <a:endParaRPr lang="uz-Latn-UZ"/>
+              </a:p>
+            </p:txBody>
+          </p:sp>
+          <p:sp>
+            <p:nvSpPr>
+              <p:cNvPr id="21" name="Параллелограмм 20">
+                <a:extLst>
+                  <a:ext uri="{FF2B5EF4-FFF2-40B4-BE49-F238E27FC236}">
+                    <a16:creationId xmlns:a16="http://schemas.microsoft.com/office/drawing/2014/main" id="{98DF0406-B4CB-4AD7-3DCD-DBB9495CF003}"/>
+                  </a:ext>
+                </a:extLst>
+              </p:cNvPr>
+              <p:cNvSpPr/>
+              <p:nvPr/>
+            </p:nvSpPr>
+            <p:spPr>
+              <a:xfrm rot="19586894">
+                <a:off x="7395957" y="2350896"/>
+                <a:ext cx="154733" cy="51756"/>
+              </a:xfrm>
+              <a:prstGeom prst="parallelogram">
+                <a:avLst>
+                  <a:gd name="adj" fmla="val 61498"/>
+                </a:avLst>
+              </a:prstGeom>
+              <a:solidFill>
+                <a:schemeClr val="accent1"/>
+              </a:solidFill>
+              <a:ln w="127000">
+                <a:solidFill>
+                  <a:srgbClr val="4940E4"/>
+                </a:solidFill>
+              </a:ln>
+            </p:spPr>
+            <p:style>
+              <a:lnRef idx="2">
+                <a:schemeClr val="accent1">
+                  <a:shade val="15000"/>
+                </a:schemeClr>
+              </a:lnRef>
+              <a:fillRef idx="1">
+                <a:schemeClr val="accent1"/>
+              </a:fillRef>
+              <a:effectRef idx="0">
+                <a:schemeClr val="accent1"/>
+              </a:effectRef>
+              <a:fontRef idx="minor">
+                <a:schemeClr val="lt1"/>
+              </a:fontRef>
+            </p:style>
+            <p:txBody>
+              <a:bodyPr rtlCol="0" anchor="ctr"/>
+              <a:lstStyle/>
+              <a:p>
+                <a:pPr algn="ctr"/>
+                <a:endParaRPr lang="uz-Latn-UZ"/>
+              </a:p>
+            </p:txBody>
+          </p:sp>
+          <p:sp>
+            <p:nvSpPr>
+              <p:cNvPr id="22" name="Параллелограмм 21">
+                <a:extLst>
+                  <a:ext uri="{FF2B5EF4-FFF2-40B4-BE49-F238E27FC236}">
+                    <a16:creationId xmlns:a16="http://schemas.microsoft.com/office/drawing/2014/main" id="{E3D9142E-CD46-1D87-3A84-E0A56AB6B6B2}"/>
+                  </a:ext>
+                </a:extLst>
+              </p:cNvPr>
+              <p:cNvSpPr/>
+              <p:nvPr/>
+            </p:nvSpPr>
+            <p:spPr>
+              <a:xfrm rot="19586894">
+                <a:off x="7176855" y="2696302"/>
+                <a:ext cx="154733" cy="51756"/>
+              </a:xfrm>
+              <a:prstGeom prst="parallelogram">
+                <a:avLst>
+                  <a:gd name="adj" fmla="val 61498"/>
+                </a:avLst>
+              </a:prstGeom>
+              <a:solidFill>
+                <a:schemeClr val="accent1"/>
+              </a:solidFill>
+              <a:ln w="127000">
+                <a:solidFill>
+                  <a:srgbClr val="4940E4"/>
+                </a:solidFill>
+              </a:ln>
+            </p:spPr>
+            <p:style>
+              <a:lnRef idx="2">
+                <a:schemeClr val="accent1">
+                  <a:shade val="15000"/>
+                </a:schemeClr>
+              </a:lnRef>
+              <a:fillRef idx="1">
+                <a:schemeClr val="accent1"/>
+              </a:fillRef>
+              <a:effectRef idx="0">
+                <a:schemeClr val="accent1"/>
+              </a:effectRef>
+              <a:fontRef idx="minor">
+                <a:schemeClr val="lt1"/>
+              </a:fontRef>
+            </p:style>
+            <p:txBody>
+              <a:bodyPr rtlCol="0" anchor="ctr"/>
+              <a:lstStyle/>
+              <a:p>
+                <a:pPr algn="ctr"/>
+                <a:endParaRPr lang="uz-Latn-UZ"/>
+              </a:p>
+            </p:txBody>
+          </p:sp>
+          <p:pic>
+            <p:nvPicPr>
+              <p:cNvPr id="23" name="Рисунок 22" descr="Одна шестеренка со сплошной заливкой">
+                <a:extLst>
+                  <a:ext uri="{FF2B5EF4-FFF2-40B4-BE49-F238E27FC236}">
+                    <a16:creationId xmlns:a16="http://schemas.microsoft.com/office/drawing/2014/main" id="{0C5E35AA-458F-1F1C-BFD2-3F6822734F3E}"/>
+                  </a:ext>
+                </a:extLst>
+              </p:cNvPr>
+              <p:cNvPicPr>
+                <a:picLocks noChangeAspect="1"/>
+              </p:cNvPicPr>
+              <p:nvPr/>
+            </p:nvPicPr>
+            <p:blipFill>
+              <a:blip r:embed="rId5">
+                <a:extLst>
+                  <a:ext uri="{96DAC541-7B7A-43D3-8B79-37D633B846F1}">
+                    <asvg:svgBlip xmlns:asvg="http://schemas.microsoft.com/office/drawing/2016/SVG/main" r:embed="rId6"/>
+                  </a:ext>
+                </a:extLst>
+              </a:blip>
+              <a:stretch>
+                <a:fillRect/>
+              </a:stretch>
+            </p:blipFill>
+            <p:spPr>
+              <a:xfrm>
+                <a:off x="8113078" y="978228"/>
+                <a:ext cx="1415988" cy="1415988"/>
+              </a:xfrm>
+              <a:prstGeom prst="rect">
+                <a:avLst/>
+              </a:prstGeom>
+            </p:spPr>
+          </p:pic>
+        </p:grpSp>
+        <p:sp>
+          <p:nvSpPr>
+            <p:cNvPr id="2" name="TextBox 1">
+              <a:extLst>
+                <a:ext uri="{FF2B5EF4-FFF2-40B4-BE49-F238E27FC236}">
+                  <a16:creationId xmlns:a16="http://schemas.microsoft.com/office/drawing/2014/main" id="{E8BD1A5F-E217-ADBA-1E02-4F1DB2E35ED9}"/>
+                </a:ext>
+              </a:extLst>
+            </p:cNvPr>
+            <p:cNvSpPr txBox="1"/>
             <p:nvPr/>
           </p:nvSpPr>
           <p:spPr>
             <a:xfrm>
-              <a:off x="5770562" y="1130300"/>
-              <a:ext cx="3629025" cy="3576637"/>
+              <a:off x="5542695" y="4320820"/>
+              <a:ext cx="3430747" cy="707886"/>
             </a:xfrm>
-            <a:prstGeom prst="ellipse">
+            <a:prstGeom prst="rect">
               <a:avLst/>
             </a:prstGeom>
-            <a:solidFill>
-              <a:schemeClr val="bg1"/>
-            </a:solidFill>
-            <a:ln w="254000">
-              <a:solidFill>
-                <a:srgbClr val="4940E4"/>
-              </a:solidFill>
-            </a:ln>
+            <a:noFill/>
           </p:spPr>
-          <p:style>
-            <a:lnRef idx="2">
-              <a:schemeClr val="accent1">
-                <a:shade val="15000"/>
-              </a:schemeClr>
-            </a:lnRef>
-            <a:fillRef idx="1">
-              <a:schemeClr val="accent1"/>
-            </a:fillRef>
-            <a:effectRef idx="0">
-              <a:schemeClr val="accent1"/>
-            </a:effectRef>
-            <a:fontRef idx="minor">
-              <a:schemeClr val="lt1"/>
-            </a:fontRef>
-          </p:style>
           <p:txBody>
-            <a:bodyPr rtlCol="0" anchor="ctr"/>
+            <a:bodyPr wrap="none" rtlCol="0">
+              <a:spAutoFit/>
+            </a:bodyPr>
             <a:lstStyle/>
             <a:p>
-              <a:pPr algn="ctr"/>
-              <a:endParaRPr lang="uz-Latn-UZ"/>
+              <a:r>
+                <a:rPr lang="en-US" sz="4000" dirty="0">
+                  <a:solidFill>
+                    <a:srgbClr val="4940E4"/>
+                  </a:solidFill>
+                  <a:latin typeface="ALS Agrofont Expanded" pitchFamily="2" charset="-52"/>
+                </a:rPr>
+                <a:t>sistemka.uz</a:t>
+              </a:r>
+              <a:endParaRPr lang="uz-Latn-UZ" sz="4000" dirty="0">
+                <a:solidFill>
+                  <a:srgbClr val="4940E4"/>
+                </a:solidFill>
+                <a:latin typeface="ALS Agrofont Expanded" pitchFamily="2" charset="-52"/>
+              </a:endParaRPr>
             </a:p>
           </p:txBody>
         </p:sp>
         <p:sp>
           <p:nvSpPr>
-            <p:cNvPr id="17" name="Овал 16">
+            <p:cNvPr id="3" name="TextBox 2">
               <a:extLst>
                 <a:ext uri="{FF2B5EF4-FFF2-40B4-BE49-F238E27FC236}">
-                  <a16:creationId xmlns:a16="http://schemas.microsoft.com/office/drawing/2014/main" id="{474298BB-8E33-6408-F17B-4F6879D83B3E}"/>
+                  <a16:creationId xmlns:a16="http://schemas.microsoft.com/office/drawing/2014/main" id="{A9FE7532-366A-8762-7FB3-EC8BF3C359CE}"/>
                 </a:ext>
               </a:extLst>
             </p:cNvPr>
-            <p:cNvSpPr/>
+            <p:cNvSpPr txBox="1"/>
             <p:nvPr/>
           </p:nvSpPr>
           <p:spPr>
             <a:xfrm>
-              <a:off x="8192453" y="1069976"/>
-              <a:ext cx="1246822" cy="1238250"/>
-            </a:xfrm>
-            <a:prstGeom prst="ellipse">
-              <a:avLst/>
-            </a:prstGeom>
-            <a:solidFill>
-              <a:schemeClr val="bg1"/>
-            </a:solidFill>
-            <a:ln>
-              <a:noFill/>
-            </a:ln>
-          </p:spPr>
-          <p:style>
-            <a:lnRef idx="2">
-              <a:schemeClr val="accent1">
-                <a:shade val="15000"/>
-              </a:schemeClr>
-            </a:lnRef>
-            <a:fillRef idx="1">
-              <a:schemeClr val="accent1"/>
-            </a:fillRef>
-            <a:effectRef idx="0">
-              <a:schemeClr val="accent1"/>
-            </a:effectRef>
-            <a:fontRef idx="minor">
-              <a:schemeClr val="lt1"/>
-            </a:fontRef>
-          </p:style>
-          <p:txBody>
-            <a:bodyPr rtlCol="0" anchor="ctr"/>
-            <a:lstStyle/>
-            <a:p>
-              <a:pPr algn="ctr"/>
-              <a:endParaRPr lang="uz-Latn-UZ"/>
-            </a:p>
-          </p:txBody>
-        </p:sp>
-        <p:sp>
-          <p:nvSpPr>
-            <p:cNvPr id="18" name="Параллелограмм 17">
-              <a:extLst>
-                <a:ext uri="{FF2B5EF4-FFF2-40B4-BE49-F238E27FC236}">
-                  <a16:creationId xmlns:a16="http://schemas.microsoft.com/office/drawing/2014/main" id="{1B78AA4A-0373-6851-0B97-64818A2A61D9}"/>
-                </a:ext>
-              </a:extLst>
-            </p:cNvPr>
-            <p:cNvSpPr/>
-            <p:nvPr/>
-          </p:nvSpPr>
-          <p:spPr>
-            <a:xfrm rot="19586894">
-              <a:off x="6045322" y="2076590"/>
-              <a:ext cx="2246249" cy="1041120"/>
-            </a:xfrm>
-            <a:prstGeom prst="parallelogram">
-              <a:avLst>
-                <a:gd name="adj" fmla="val 61498"/>
-              </a:avLst>
-            </a:prstGeom>
-            <a:solidFill>
-              <a:schemeClr val="bg1"/>
-            </a:solidFill>
-            <a:ln w="127000">
-              <a:solidFill>
-                <a:srgbClr val="4940E4"/>
-              </a:solidFill>
-            </a:ln>
-          </p:spPr>
-          <p:style>
-            <a:lnRef idx="2">
-              <a:schemeClr val="accent1">
-                <a:shade val="15000"/>
-              </a:schemeClr>
-            </a:lnRef>
-            <a:fillRef idx="1">
-              <a:schemeClr val="accent1"/>
-            </a:fillRef>
-            <a:effectRef idx="0">
-              <a:schemeClr val="accent1"/>
-            </a:effectRef>
-            <a:fontRef idx="minor">
-              <a:schemeClr val="lt1"/>
-            </a:fontRef>
-          </p:style>
-          <p:txBody>
-            <a:bodyPr rtlCol="0" anchor="ctr"/>
-            <a:lstStyle/>
-            <a:p>
-              <a:pPr algn="ctr"/>
-              <a:endParaRPr lang="uz-Latn-UZ"/>
-            </a:p>
-          </p:txBody>
-        </p:sp>
-        <p:sp>
-          <p:nvSpPr>
-            <p:cNvPr id="19" name="Параллелограмм 18">
-              <a:extLst>
-                <a:ext uri="{FF2B5EF4-FFF2-40B4-BE49-F238E27FC236}">
-                  <a16:creationId xmlns:a16="http://schemas.microsoft.com/office/drawing/2014/main" id="{0119E82D-BFB5-913F-70C7-EA618592D9ED}"/>
-                </a:ext>
-              </a:extLst>
-            </p:cNvPr>
-            <p:cNvSpPr/>
-            <p:nvPr/>
-          </p:nvSpPr>
-          <p:spPr>
-            <a:xfrm rot="19586894" flipV="1">
-              <a:off x="6693775" y="3131251"/>
-              <a:ext cx="2198022" cy="912437"/>
-            </a:xfrm>
-            <a:prstGeom prst="parallelogram">
-              <a:avLst>
-                <a:gd name="adj" fmla="val 61498"/>
-              </a:avLst>
-            </a:prstGeom>
-            <a:solidFill>
-              <a:srgbClr val="4940E4"/>
-            </a:solidFill>
-            <a:ln w="127000">
-              <a:solidFill>
-                <a:srgbClr val="4940E4"/>
-              </a:solidFill>
-            </a:ln>
-          </p:spPr>
-          <p:style>
-            <a:lnRef idx="2">
-              <a:schemeClr val="accent1">
-                <a:shade val="15000"/>
-              </a:schemeClr>
-            </a:lnRef>
-            <a:fillRef idx="1">
-              <a:schemeClr val="accent1"/>
-            </a:fillRef>
-            <a:effectRef idx="0">
-              <a:schemeClr val="accent1"/>
-            </a:effectRef>
-            <a:fontRef idx="minor">
-              <a:schemeClr val="lt1"/>
-            </a:fontRef>
-          </p:style>
-          <p:txBody>
-            <a:bodyPr rtlCol="0" anchor="ctr"/>
-            <a:lstStyle/>
-            <a:p>
-              <a:pPr algn="ctr"/>
-              <a:endParaRPr lang="uz-Latn-UZ"/>
-            </a:p>
-          </p:txBody>
-        </p:sp>
-        <p:sp>
-          <p:nvSpPr>
-            <p:cNvPr id="20" name="Параллелограмм 19">
-              <a:extLst>
-                <a:ext uri="{FF2B5EF4-FFF2-40B4-BE49-F238E27FC236}">
-                  <a16:creationId xmlns:a16="http://schemas.microsoft.com/office/drawing/2014/main" id="{D54175AC-945C-0E9E-8B5D-12069F3619A3}"/>
-                </a:ext>
-              </a:extLst>
-            </p:cNvPr>
-            <p:cNvSpPr/>
-            <p:nvPr/>
-          </p:nvSpPr>
-          <p:spPr>
-            <a:xfrm rot="19586894">
-              <a:off x="6724786" y="2572258"/>
-              <a:ext cx="421873" cy="171193"/>
-            </a:xfrm>
-            <a:prstGeom prst="parallelogram">
-              <a:avLst>
-                <a:gd name="adj" fmla="val 61498"/>
-              </a:avLst>
-            </a:prstGeom>
-            <a:solidFill>
-              <a:srgbClr val="4940E4"/>
-            </a:solidFill>
-            <a:ln w="127000">
-              <a:solidFill>
-                <a:srgbClr val="4940E4"/>
-              </a:solidFill>
-            </a:ln>
-          </p:spPr>
-          <p:style>
-            <a:lnRef idx="2">
-              <a:schemeClr val="accent1">
-                <a:shade val="15000"/>
-              </a:schemeClr>
-            </a:lnRef>
-            <a:fillRef idx="1">
-              <a:schemeClr val="accent1"/>
-            </a:fillRef>
-            <a:effectRef idx="0">
-              <a:schemeClr val="accent1"/>
-            </a:effectRef>
-            <a:fontRef idx="minor">
-              <a:schemeClr val="lt1"/>
-            </a:fontRef>
-          </p:style>
-          <p:txBody>
-            <a:bodyPr rtlCol="0" anchor="ctr"/>
-            <a:lstStyle/>
-            <a:p>
-              <a:pPr algn="ctr"/>
-              <a:endParaRPr lang="uz-Latn-UZ"/>
-            </a:p>
-          </p:txBody>
-        </p:sp>
-        <p:sp>
-          <p:nvSpPr>
-            <p:cNvPr id="21" name="Параллелограмм 20">
-              <a:extLst>
-                <a:ext uri="{FF2B5EF4-FFF2-40B4-BE49-F238E27FC236}">
-                  <a16:creationId xmlns:a16="http://schemas.microsoft.com/office/drawing/2014/main" id="{98DF0406-B4CB-4AD7-3DCD-DBB9495CF003}"/>
-                </a:ext>
-              </a:extLst>
-            </p:cNvPr>
-            <p:cNvSpPr/>
-            <p:nvPr/>
-          </p:nvSpPr>
-          <p:spPr>
-            <a:xfrm rot="19586894">
-              <a:off x="7395957" y="2350896"/>
-              <a:ext cx="154733" cy="51756"/>
-            </a:xfrm>
-            <a:prstGeom prst="parallelogram">
-              <a:avLst>
-                <a:gd name="adj" fmla="val 61498"/>
-              </a:avLst>
-            </a:prstGeom>
-            <a:solidFill>
-              <a:schemeClr val="accent1"/>
-            </a:solidFill>
-            <a:ln w="127000">
-              <a:solidFill>
-                <a:srgbClr val="4940E4"/>
-              </a:solidFill>
-            </a:ln>
-          </p:spPr>
-          <p:style>
-            <a:lnRef idx="2">
-              <a:schemeClr val="accent1">
-                <a:shade val="15000"/>
-              </a:schemeClr>
-            </a:lnRef>
-            <a:fillRef idx="1">
-              <a:schemeClr val="accent1"/>
-            </a:fillRef>
-            <a:effectRef idx="0">
-              <a:schemeClr val="accent1"/>
-            </a:effectRef>
-            <a:fontRef idx="minor">
-              <a:schemeClr val="lt1"/>
-            </a:fontRef>
-          </p:style>
-          <p:txBody>
-            <a:bodyPr rtlCol="0" anchor="ctr"/>
-            <a:lstStyle/>
-            <a:p>
-              <a:pPr algn="ctr"/>
-              <a:endParaRPr lang="uz-Latn-UZ"/>
-            </a:p>
-          </p:txBody>
-        </p:sp>
-        <p:sp>
-          <p:nvSpPr>
-            <p:cNvPr id="22" name="Параллелограмм 21">
-              <a:extLst>
-                <a:ext uri="{FF2B5EF4-FFF2-40B4-BE49-F238E27FC236}">
-                  <a16:creationId xmlns:a16="http://schemas.microsoft.com/office/drawing/2014/main" id="{E3D9142E-CD46-1D87-3A84-E0A56AB6B6B2}"/>
-                </a:ext>
-              </a:extLst>
-            </p:cNvPr>
-            <p:cNvSpPr/>
-            <p:nvPr/>
-          </p:nvSpPr>
-          <p:spPr>
-            <a:xfrm rot="19586894">
-              <a:off x="7176855" y="2696302"/>
-              <a:ext cx="154733" cy="51756"/>
-            </a:xfrm>
-            <a:prstGeom prst="parallelogram">
-              <a:avLst>
-                <a:gd name="adj" fmla="val 61498"/>
-              </a:avLst>
-            </a:prstGeom>
-            <a:solidFill>
-              <a:schemeClr val="accent1"/>
-            </a:solidFill>
-            <a:ln w="127000">
-              <a:solidFill>
-                <a:srgbClr val="4940E4"/>
-              </a:solidFill>
-            </a:ln>
-          </p:spPr>
-          <p:style>
-            <a:lnRef idx="2">
-              <a:schemeClr val="accent1">
-                <a:shade val="15000"/>
-              </a:schemeClr>
-            </a:lnRef>
-            <a:fillRef idx="1">
-              <a:schemeClr val="accent1"/>
-            </a:fillRef>
-            <a:effectRef idx="0">
-              <a:schemeClr val="accent1"/>
-            </a:effectRef>
-            <a:fontRef idx="minor">
-              <a:schemeClr val="lt1"/>
-            </a:fontRef>
-          </p:style>
-          <p:txBody>
-            <a:bodyPr rtlCol="0" anchor="ctr"/>
-            <a:lstStyle/>
-            <a:p>
-              <a:pPr algn="ctr"/>
-              <a:endParaRPr lang="uz-Latn-UZ"/>
-            </a:p>
-          </p:txBody>
-        </p:sp>
-        <p:pic>
-          <p:nvPicPr>
-            <p:cNvPr id="23" name="Рисунок 22" descr="Одна шестеренка со сплошной заливкой">
-              <a:extLst>
-                <a:ext uri="{FF2B5EF4-FFF2-40B4-BE49-F238E27FC236}">
-                  <a16:creationId xmlns:a16="http://schemas.microsoft.com/office/drawing/2014/main" id="{0C5E35AA-458F-1F1C-BFD2-3F6822734F3E}"/>
-                </a:ext>
-              </a:extLst>
-            </p:cNvPr>
-            <p:cNvPicPr>
-              <a:picLocks noChangeAspect="1"/>
-            </p:cNvPicPr>
-            <p:nvPr/>
-          </p:nvPicPr>
-          <p:blipFill>
-            <a:blip r:embed="rId5">
-              <a:extLst>
-                <a:ext uri="{96DAC541-7B7A-43D3-8B79-37D633B846F1}">
-                  <asvg:svgBlip xmlns:asvg="http://schemas.microsoft.com/office/drawing/2016/SVG/main" r:embed="rId6"/>
-                </a:ext>
-              </a:extLst>
-            </a:blip>
-            <a:stretch>
-              <a:fillRect/>
-            </a:stretch>
-          </p:blipFill>
-          <p:spPr>
-            <a:xfrm>
-              <a:off x="8113078" y="978228"/>
-              <a:ext cx="1415988" cy="1415988"/>
+              <a:off x="4704626" y="4885505"/>
+              <a:ext cx="4956806" cy="523220"/>
             </a:xfrm>
             <a:prstGeom prst="rect">
               <a:avLst/>
             </a:prstGeom>
+            <a:noFill/>
           </p:spPr>
-        </p:pic>
+          <p:txBody>
+            <a:bodyPr wrap="none" rtlCol="0">
+              <a:spAutoFit/>
+            </a:bodyPr>
+            <a:lstStyle/>
+            <a:p>
+              <a:r>
+                <a:rPr lang="en-US" sz="2800" dirty="0">
+                  <a:solidFill>
+                    <a:srgbClr val="4940E4"/>
+                  </a:solidFill>
+                  <a:latin typeface="ALS Agrofont Medium" pitchFamily="2" charset="-52"/>
+                </a:rPr>
+                <a:t>Hardware &amp; Software United</a:t>
+              </a:r>
+              <a:endParaRPr lang="uz-Latn-UZ" sz="2800" dirty="0">
+                <a:solidFill>
+                  <a:srgbClr val="4940E4"/>
+                </a:solidFill>
+                <a:latin typeface="ALS Agrofont Medium" pitchFamily="2" charset="-52"/>
+              </a:endParaRPr>
+            </a:p>
+          </p:txBody>
+        </p:sp>
       </p:grpSp>
     </p:spTree>
     <p:extLst>

--- a/sistemka.pptx
+++ b/sistemka.pptx
@@ -262,7 +262,7 @@
           <a:p>
             <a:fld id="{6359FC7E-B0AC-42BA-B42D-2E395D864C9D}" type="datetimeFigureOut">
               <a:rPr lang="uz-Latn-UZ" smtClean="0"/>
-              <a:t>11/08/2025</a:t>
+              <a:t>12/08/2025</a:t>
             </a:fld>
             <a:endParaRPr lang="uz-Latn-UZ"/>
           </a:p>
@@ -462,7 +462,7 @@
           <a:p>
             <a:fld id="{6359FC7E-B0AC-42BA-B42D-2E395D864C9D}" type="datetimeFigureOut">
               <a:rPr lang="uz-Latn-UZ" smtClean="0"/>
-              <a:t>11/08/2025</a:t>
+              <a:t>12/08/2025</a:t>
             </a:fld>
             <a:endParaRPr lang="uz-Latn-UZ"/>
           </a:p>
@@ -672,7 +672,7 @@
           <a:p>
             <a:fld id="{6359FC7E-B0AC-42BA-B42D-2E395D864C9D}" type="datetimeFigureOut">
               <a:rPr lang="uz-Latn-UZ" smtClean="0"/>
-              <a:t>11/08/2025</a:t>
+              <a:t>12/08/2025</a:t>
             </a:fld>
             <a:endParaRPr lang="uz-Latn-UZ"/>
           </a:p>
@@ -872,7 +872,7 @@
           <a:p>
             <a:fld id="{6359FC7E-B0AC-42BA-B42D-2E395D864C9D}" type="datetimeFigureOut">
               <a:rPr lang="uz-Latn-UZ" smtClean="0"/>
-              <a:t>11/08/2025</a:t>
+              <a:t>12/08/2025</a:t>
             </a:fld>
             <a:endParaRPr lang="uz-Latn-UZ"/>
           </a:p>
@@ -1148,7 +1148,7 @@
           <a:p>
             <a:fld id="{6359FC7E-B0AC-42BA-B42D-2E395D864C9D}" type="datetimeFigureOut">
               <a:rPr lang="uz-Latn-UZ" smtClean="0"/>
-              <a:t>11/08/2025</a:t>
+              <a:t>12/08/2025</a:t>
             </a:fld>
             <a:endParaRPr lang="uz-Latn-UZ"/>
           </a:p>
@@ -1416,7 +1416,7 @@
           <a:p>
             <a:fld id="{6359FC7E-B0AC-42BA-B42D-2E395D864C9D}" type="datetimeFigureOut">
               <a:rPr lang="uz-Latn-UZ" smtClean="0"/>
-              <a:t>11/08/2025</a:t>
+              <a:t>12/08/2025</a:t>
             </a:fld>
             <a:endParaRPr lang="uz-Latn-UZ"/>
           </a:p>
@@ -1831,7 +1831,7 @@
           <a:p>
             <a:fld id="{6359FC7E-B0AC-42BA-B42D-2E395D864C9D}" type="datetimeFigureOut">
               <a:rPr lang="uz-Latn-UZ" smtClean="0"/>
-              <a:t>11/08/2025</a:t>
+              <a:t>12/08/2025</a:t>
             </a:fld>
             <a:endParaRPr lang="uz-Latn-UZ"/>
           </a:p>
@@ -1973,7 +1973,7 @@
           <a:p>
             <a:fld id="{6359FC7E-B0AC-42BA-B42D-2E395D864C9D}" type="datetimeFigureOut">
               <a:rPr lang="uz-Latn-UZ" smtClean="0"/>
-              <a:t>11/08/2025</a:t>
+              <a:t>12/08/2025</a:t>
             </a:fld>
             <a:endParaRPr lang="uz-Latn-UZ"/>
           </a:p>
@@ -2086,7 +2086,7 @@
           <a:p>
             <a:fld id="{6359FC7E-B0AC-42BA-B42D-2E395D864C9D}" type="datetimeFigureOut">
               <a:rPr lang="uz-Latn-UZ" smtClean="0"/>
-              <a:t>11/08/2025</a:t>
+              <a:t>12/08/2025</a:t>
             </a:fld>
             <a:endParaRPr lang="uz-Latn-UZ"/>
           </a:p>
@@ -2399,7 +2399,7 @@
           <a:p>
             <a:fld id="{6359FC7E-B0AC-42BA-B42D-2E395D864C9D}" type="datetimeFigureOut">
               <a:rPr lang="uz-Latn-UZ" smtClean="0"/>
-              <a:t>11/08/2025</a:t>
+              <a:t>12/08/2025</a:t>
             </a:fld>
             <a:endParaRPr lang="uz-Latn-UZ"/>
           </a:p>
@@ -2688,7 +2688,7 @@
           <a:p>
             <a:fld id="{6359FC7E-B0AC-42BA-B42D-2E395D864C9D}" type="datetimeFigureOut">
               <a:rPr lang="uz-Latn-UZ" smtClean="0"/>
-              <a:t>11/08/2025</a:t>
+              <a:t>12/08/2025</a:t>
             </a:fld>
             <a:endParaRPr lang="uz-Latn-UZ"/>
           </a:p>
@@ -2931,7 +2931,7 @@
           <a:p>
             <a:fld id="{6359FC7E-B0AC-42BA-B42D-2E395D864C9D}" type="datetimeFigureOut">
               <a:rPr lang="uz-Latn-UZ" smtClean="0"/>
-              <a:t>11/08/2025</a:t>
+              <a:t>12/08/2025</a:t>
             </a:fld>
             <a:endParaRPr lang="uz-Latn-UZ"/>
           </a:p>
@@ -3954,10 +3954,10 @@
       </p:grpSp>
       <p:grpSp>
         <p:nvGrpSpPr>
-          <p:cNvPr id="11" name="Группа 10">
-            <a:extLst>
-              <a:ext uri="{FF2B5EF4-FFF2-40B4-BE49-F238E27FC236}">
-                <a16:creationId xmlns:a16="http://schemas.microsoft.com/office/drawing/2014/main" id="{7DA08E74-7097-0E56-CCC6-0822F0D4D4DF}"/>
+          <p:cNvPr id="25" name="Группа 24">
+            <a:extLst>
+              <a:ext uri="{FF2B5EF4-FFF2-40B4-BE49-F238E27FC236}">
+                <a16:creationId xmlns:a16="http://schemas.microsoft.com/office/drawing/2014/main" id="{C693FC6C-300A-7DF4-8973-3033CA18B10D}"/>
               </a:ext>
             </a:extLst>
           </p:cNvPr>
@@ -3966,10 +3966,10 @@
         </p:nvGrpSpPr>
         <p:grpSpPr>
           <a:xfrm>
-            <a:off x="4704626" y="468614"/>
-            <a:ext cx="4956806" cy="4940111"/>
-            <a:chOff x="4704626" y="468614"/>
-            <a:chExt cx="4956806" cy="4940111"/>
+            <a:off x="3613365" y="468614"/>
+            <a:ext cx="6320961" cy="4304422"/>
+            <a:chOff x="3613365" y="468614"/>
+            <a:chExt cx="6320961" cy="4304422"/>
           </a:xfrm>
         </p:grpSpPr>
         <p:grpSp>
@@ -3987,7 +3987,7 @@
           <p:grpSpPr>
             <a:xfrm>
               <a:off x="5368517" y="468614"/>
-              <a:ext cx="3758504" cy="3728709"/>
+              <a:ext cx="2984908" cy="2961245"/>
               <a:chOff x="5770562" y="978228"/>
               <a:chExt cx="3758504" cy="3728709"/>
             </a:xfrm>
@@ -4206,7 +4206,7 @@
               <a:lstStyle/>
               <a:p>
                 <a:pPr algn="ctr"/>
-                <a:endParaRPr lang="uz-Latn-UZ"/>
+                <a:endParaRPr lang="uz-Latn-UZ" dirty="0"/>
               </a:p>
             </p:txBody>
           </p:sp>
@@ -4429,8 +4429,8 @@
           </p:nvSpPr>
           <p:spPr>
             <a:xfrm>
-              <a:off x="5542695" y="4320820"/>
-              <a:ext cx="3430747" cy="707886"/>
+              <a:off x="4928214" y="3488394"/>
+              <a:ext cx="4073551" cy="830997"/>
             </a:xfrm>
             <a:prstGeom prst="rect">
               <a:avLst/>
@@ -4444,7 +4444,7 @@
             <a:lstStyle/>
             <a:p>
               <a:r>
-                <a:rPr lang="en-US" sz="4000" dirty="0">
+                <a:rPr lang="en-US" sz="4800" dirty="0">
                   <a:solidFill>
                     <a:srgbClr val="4940E4"/>
                   </a:solidFill>
@@ -4452,7 +4452,7 @@
                 </a:rPr>
                 <a:t>sistemka.uz</a:t>
               </a:r>
-              <a:endParaRPr lang="uz-Latn-UZ" sz="4000" dirty="0">
+              <a:endParaRPr lang="uz-Latn-UZ" sz="4800" dirty="0">
                 <a:solidFill>
                   <a:srgbClr val="4940E4"/>
                 </a:solidFill>
@@ -4475,8 +4475,8 @@
           </p:nvSpPr>
           <p:spPr>
             <a:xfrm>
-              <a:off x="4704626" y="4885505"/>
-              <a:ext cx="4956806" cy="523220"/>
+              <a:off x="3613365" y="4126705"/>
+              <a:ext cx="6320961" cy="646331"/>
             </a:xfrm>
             <a:prstGeom prst="rect">
               <a:avLst/>
@@ -4490,7 +4490,7 @@
             <a:lstStyle/>
             <a:p>
               <a:r>
-                <a:rPr lang="en-US" sz="2800" dirty="0">
+                <a:rPr lang="en-US" sz="3600" dirty="0">
                   <a:solidFill>
                     <a:srgbClr val="4940E4"/>
                   </a:solidFill>
@@ -4498,7 +4498,7 @@
                 </a:rPr>
                 <a:t>Hardware &amp; Software United</a:t>
               </a:r>
-              <a:endParaRPr lang="uz-Latn-UZ" sz="2800" dirty="0">
+              <a:endParaRPr lang="uz-Latn-UZ" sz="3600" dirty="0">
                 <a:solidFill>
                   <a:srgbClr val="4940E4"/>
                 </a:solidFill>
